--- a/excel-for-predictive-analytics-resources.pptx
+++ b/excel-for-predictive-analytics-resources.pptx
@@ -233,7 +233,7 @@
           <a:p>
             <a:fld id="{05534BD0-1400-4EBA-BBA1-04F52AB31B36}" type="datetimeFigureOut">
               <a:rPr lang="en-US" smtClean="0"/>
-              <a:t>8/20/2023</a:t>
+              <a:t>8/23/2023</a:t>
             </a:fld>
             <a:endParaRPr lang="en-US"/>
           </a:p>
@@ -1067,7 +1067,7 @@
           <a:p>
             <a:fld id="{0138B082-EFC2-46C1-B47C-51736C670379}" type="datetimeFigureOut">
               <a:rPr lang="en-US" smtClean="0"/>
-              <a:t>8/20/2023</a:t>
+              <a:t>8/23/2023</a:t>
             </a:fld>
             <a:endParaRPr lang="en-US"/>
           </a:p>
@@ -1235,7 +1235,7 @@
           <a:p>
             <a:fld id="{0138B082-EFC2-46C1-B47C-51736C670379}" type="datetimeFigureOut">
               <a:rPr lang="en-US" smtClean="0"/>
-              <a:t>8/20/2023</a:t>
+              <a:t>8/23/2023</a:t>
             </a:fld>
             <a:endParaRPr lang="en-US"/>
           </a:p>
@@ -1413,7 +1413,7 @@
           <a:p>
             <a:fld id="{0138B082-EFC2-46C1-B47C-51736C670379}" type="datetimeFigureOut">
               <a:rPr lang="en-US" smtClean="0"/>
-              <a:t>8/20/2023</a:t>
+              <a:t>8/23/2023</a:t>
             </a:fld>
             <a:endParaRPr lang="en-US"/>
           </a:p>
@@ -1581,7 +1581,7 @@
           <a:p>
             <a:fld id="{0138B082-EFC2-46C1-B47C-51736C670379}" type="datetimeFigureOut">
               <a:rPr lang="en-US" smtClean="0"/>
-              <a:t>8/20/2023</a:t>
+              <a:t>8/23/2023</a:t>
             </a:fld>
             <a:endParaRPr lang="en-US"/>
           </a:p>
@@ -1826,7 +1826,7 @@
           <a:p>
             <a:fld id="{0138B082-EFC2-46C1-B47C-51736C670379}" type="datetimeFigureOut">
               <a:rPr lang="en-US" smtClean="0"/>
-              <a:t>8/20/2023</a:t>
+              <a:t>8/23/2023</a:t>
             </a:fld>
             <a:endParaRPr lang="en-US"/>
           </a:p>
@@ -2055,7 +2055,7 @@
           <a:p>
             <a:fld id="{0138B082-EFC2-46C1-B47C-51736C670379}" type="datetimeFigureOut">
               <a:rPr lang="en-US" smtClean="0"/>
-              <a:t>8/20/2023</a:t>
+              <a:t>8/23/2023</a:t>
             </a:fld>
             <a:endParaRPr lang="en-US"/>
           </a:p>
@@ -2419,7 +2419,7 @@
           <a:p>
             <a:fld id="{0138B082-EFC2-46C1-B47C-51736C670379}" type="datetimeFigureOut">
               <a:rPr lang="en-US" smtClean="0"/>
-              <a:t>8/20/2023</a:t>
+              <a:t>8/23/2023</a:t>
             </a:fld>
             <a:endParaRPr lang="en-US"/>
           </a:p>
@@ -2536,7 +2536,7 @@
           <a:p>
             <a:fld id="{0138B082-EFC2-46C1-B47C-51736C670379}" type="datetimeFigureOut">
               <a:rPr lang="en-US" smtClean="0"/>
-              <a:t>8/20/2023</a:t>
+              <a:t>8/23/2023</a:t>
             </a:fld>
             <a:endParaRPr lang="en-US"/>
           </a:p>
@@ -2631,7 +2631,7 @@
           <a:p>
             <a:fld id="{0138B082-EFC2-46C1-B47C-51736C670379}" type="datetimeFigureOut">
               <a:rPr lang="en-US" smtClean="0"/>
-              <a:t>8/20/2023</a:t>
+              <a:t>8/23/2023</a:t>
             </a:fld>
             <a:endParaRPr lang="en-US"/>
           </a:p>
@@ -2906,7 +2906,7 @@
           <a:p>
             <a:fld id="{0138B082-EFC2-46C1-B47C-51736C670379}" type="datetimeFigureOut">
               <a:rPr lang="en-US" smtClean="0"/>
-              <a:t>8/20/2023</a:t>
+              <a:t>8/23/2023</a:t>
             </a:fld>
             <a:endParaRPr lang="en-US"/>
           </a:p>
@@ -3158,7 +3158,7 @@
           <a:p>
             <a:fld id="{0138B082-EFC2-46C1-B47C-51736C670379}" type="datetimeFigureOut">
               <a:rPr lang="en-US" smtClean="0"/>
-              <a:t>8/20/2023</a:t>
+              <a:t>8/23/2023</a:t>
             </a:fld>
             <a:endParaRPr lang="en-US"/>
           </a:p>
@@ -3372,7 +3372,7 @@
           <a:p>
             <a:fld id="{0138B082-EFC2-46C1-B47C-51736C670379}" type="datetimeFigureOut">
               <a:rPr lang="en-US" smtClean="0"/>
-              <a:t>8/20/2023</a:t>
+              <a:t>8/23/2023</a:t>
             </a:fld>
             <a:endParaRPr lang="en-US"/>
           </a:p>
@@ -6534,8 +6534,23 @@
                 </a:solidFill>
                 <a:latin typeface="Pragmatica" panose="020B0403040502020204" pitchFamily="34" charset="0"/>
               </a:rPr>
-              <a:t>Understanding the importance of sample size</a:t>
-            </a:r>
+              <a:t>Building predictive models with </a:t>
+            </a:r>
+            <a:r>
+              <a:rPr lang="en-US" sz="2800" dirty="0" err="1">
+                <a:solidFill>
+                  <a:srgbClr val="707070"/>
+                </a:solidFill>
+                <a:latin typeface="Pragmatica" panose="020B0403040502020204" pitchFamily="34" charset="0"/>
+              </a:rPr>
+              <a:t>XLMiner</a:t>
+            </a:r>
+            <a:endParaRPr lang="en-US" sz="2800" dirty="0">
+              <a:solidFill>
+                <a:srgbClr val="707070"/>
+              </a:solidFill>
+              <a:latin typeface="Pragmatica" panose="020B0403040502020204" pitchFamily="34" charset="0"/>
+            </a:endParaRPr>
           </a:p>
           <a:p>
             <a:pPr marL="457200" indent="-457200">
@@ -6552,7 +6567,7 @@
                 </a:solidFill>
                 <a:latin typeface="Pragmatica" panose="020B0403040502020204" pitchFamily="34" charset="0"/>
               </a:rPr>
-              <a:t>Checking for statistical significance in A/B testing</a:t>
+              <a:t>Reading data from images into Excel</a:t>
             </a:r>
           </a:p>
           <a:p>
@@ -6570,7 +6585,7 @@
                 </a:solidFill>
                 <a:latin typeface="Pragmatica" panose="020B0403040502020204" pitchFamily="34" charset="0"/>
               </a:rPr>
-              <a:t>Getting started with correlation &amp; regression </a:t>
+              <a:t>Performing sentiment analysis with Azure Machine Learning</a:t>
             </a:r>
           </a:p>
         </p:txBody>
